--- a/00_Python_DataScience_Syllabus.pptx
+++ b/00_Python_DataScience_Syllabus.pptx
@@ -4980,7 +4980,7 @@
         <p:spPr>
           <a:xfrm>
             <a:off x="395536" y="1196752"/>
-            <a:ext cx="8352928" cy="4824536"/>
+            <a:ext cx="8352928" cy="4968552"/>
           </a:xfrm>
           <a:ln>
             <a:solidFill>
@@ -5023,9 +5023,15 @@
                 <a:solidFill>
                   <a:srgbClr val="3C3B37"/>
                 </a:solidFill>
-              </a:rPr>
-              <a:t>Python Interpreter and Environment:</a:t>
-            </a:r>
+                <a:hlinkClick r:id="rId2"/>
+              </a:rPr>
+              <a:t>https://github.com/peterhchen/300_Python_DataScience/upload/main</a:t>
+            </a:r>
+            <a:endParaRPr lang="en-US" sz="1600" b="1" dirty="0">
+              <a:solidFill>
+                <a:srgbClr val="3C3B37"/>
+              </a:solidFill>
+            </a:endParaRPr>
           </a:p>
           <a:p>
             <a:pPr marL="465138" indent="-465138" algn="l">
@@ -5041,22 +5047,8 @@
                   <a:srgbClr val="3C3B37"/>
                 </a:solidFill>
               </a:rPr>
-              <a:t>1. </a:t>
-            </a:r>
-            <a:r>
-              <a:rPr lang="en-US" sz="1600" b="1" dirty="0">
-                <a:solidFill>
-                  <a:srgbClr val="3C3B37"/>
-                </a:solidFill>
-                <a:hlinkClick r:id="rId2"/>
-              </a:rPr>
-              <a:t>https://www.python.org/</a:t>
-            </a:r>
-            <a:endParaRPr lang="en-US" sz="1600" b="1" dirty="0">
-              <a:solidFill>
-                <a:srgbClr val="3C3B37"/>
-              </a:solidFill>
-            </a:endParaRPr>
+              <a:t>Python Interpreter and Environment:</a:t>
+            </a:r>
           </a:p>
           <a:p>
             <a:pPr marL="465138" indent="-465138" algn="l">
@@ -5072,7 +5064,7 @@
                   <a:srgbClr val="3C3B37"/>
                 </a:solidFill>
               </a:rPr>
-              <a:t>2. </a:t>
+              <a:t>1. </a:t>
             </a:r>
             <a:r>
               <a:rPr lang="en-US" sz="1600" b="1" dirty="0">
@@ -5081,7 +5073,7 @@
                 </a:solidFill>
                 <a:hlinkClick r:id="rId3"/>
               </a:rPr>
-              <a:t>https://www.anaconda.com/</a:t>
+              <a:t>https://www.python.org/</a:t>
             </a:r>
             <a:endParaRPr lang="en-US" sz="1600" b="1" dirty="0">
               <a:solidFill>
@@ -5103,7 +5095,7 @@
                   <a:srgbClr val="3C3B37"/>
                 </a:solidFill>
               </a:rPr>
-              <a:t>3. </a:t>
+              <a:t>2. </a:t>
             </a:r>
             <a:r>
               <a:rPr lang="en-US" sz="1600" b="1" dirty="0">
@@ -5112,7 +5104,7 @@
                 </a:solidFill>
                 <a:hlinkClick r:id="rId4"/>
               </a:rPr>
-              <a:t>https://www.jetbrains.com/pycharm/</a:t>
+              <a:t>https://www.anaconda.com/</a:t>
             </a:r>
             <a:endParaRPr lang="en-US" sz="1600" b="1" dirty="0">
               <a:solidFill>
@@ -5134,8 +5126,22 @@
                   <a:srgbClr val="3C3B37"/>
                 </a:solidFill>
               </a:rPr>
-              <a:t>Languages, Data Structures, Networking, Multithreading, GUI Programming:</a:t>
-            </a:r>
+              <a:t>3. </a:t>
+            </a:r>
+            <a:r>
+              <a:rPr lang="en-US" sz="1600" b="1" dirty="0">
+                <a:solidFill>
+                  <a:srgbClr val="3C3B37"/>
+                </a:solidFill>
+                <a:hlinkClick r:id="rId5"/>
+              </a:rPr>
+              <a:t>https://www.jetbrains.com/pycharm/</a:t>
+            </a:r>
+            <a:endParaRPr lang="en-US" sz="1600" b="1" dirty="0">
+              <a:solidFill>
+                <a:srgbClr val="3C3B37"/>
+              </a:solidFill>
+            </a:endParaRPr>
           </a:p>
           <a:p>
             <a:pPr marL="465138" indent="-465138" algn="l">
@@ -5151,22 +5157,8 @@
                   <a:srgbClr val="3C3B37"/>
                 </a:solidFill>
               </a:rPr>
-              <a:t>3. </a:t>
-            </a:r>
-            <a:r>
-              <a:rPr lang="en-US" sz="1600" b="1" dirty="0">
-                <a:solidFill>
-                  <a:srgbClr val="3C3B37"/>
-                </a:solidFill>
-                <a:hlinkClick r:id="rId5"/>
-              </a:rPr>
-              <a:t>https://www.tutorialspoint.com/python/index.htm</a:t>
-            </a:r>
-            <a:endParaRPr lang="en-US" sz="1600" b="1" dirty="0">
-              <a:solidFill>
-                <a:srgbClr val="3C3B37"/>
-              </a:solidFill>
-            </a:endParaRPr>
+              <a:t>Languages, Data Structures, Networking, Multithreading, GUI Programming:</a:t>
+            </a:r>
           </a:p>
           <a:p>
             <a:pPr marL="465138" indent="-465138" algn="l">
@@ -5182,7 +5174,7 @@
                   <a:srgbClr val="3C3B37"/>
                 </a:solidFill>
               </a:rPr>
-              <a:t>2. </a:t>
+              <a:t>3. </a:t>
             </a:r>
             <a:r>
               <a:rPr lang="en-US" sz="1600" b="1" dirty="0">
@@ -5191,7 +5183,7 @@
                 </a:solidFill>
                 <a:hlinkClick r:id="rId6"/>
               </a:rPr>
-              <a:t>https://www.w3schools.com/python/</a:t>
+              <a:t>https://www.tutorialspoint.com/python/index.htm</a:t>
             </a:r>
             <a:endParaRPr lang="en-US" sz="1600" b="1" dirty="0">
               <a:solidFill>
@@ -5213,8 +5205,22 @@
                   <a:srgbClr val="3C3B37"/>
                 </a:solidFill>
               </a:rPr>
-              <a:t>Numpy and Pandas:</a:t>
-            </a:r>
+              <a:t>2. </a:t>
+            </a:r>
+            <a:r>
+              <a:rPr lang="en-US" sz="1600" b="1" dirty="0">
+                <a:solidFill>
+                  <a:srgbClr val="3C3B37"/>
+                </a:solidFill>
+                <a:hlinkClick r:id="rId7"/>
+              </a:rPr>
+              <a:t>https://www.w3schools.com/python/</a:t>
+            </a:r>
+            <a:endParaRPr lang="en-US" sz="1600" b="1" dirty="0">
+              <a:solidFill>
+                <a:srgbClr val="3C3B37"/>
+              </a:solidFill>
+            </a:endParaRPr>
           </a:p>
           <a:p>
             <a:pPr marL="465138" indent="-465138" algn="l">
@@ -5230,22 +5236,8 @@
                   <a:srgbClr val="3C3B37"/>
                 </a:solidFill>
               </a:rPr>
-              <a:t>1. </a:t>
-            </a:r>
-            <a:r>
-              <a:rPr lang="en-US" sz="1600" b="1" dirty="0">
-                <a:solidFill>
-                  <a:srgbClr val="3C3B37"/>
-                </a:solidFill>
-                <a:hlinkClick r:id="rId7"/>
-              </a:rPr>
-              <a:t>https://numpy.org/</a:t>
-            </a:r>
-            <a:endParaRPr lang="en-US" sz="1600" b="1" dirty="0">
-              <a:solidFill>
-                <a:srgbClr val="3C3B37"/>
-              </a:solidFill>
-            </a:endParaRPr>
+              <a:t>Numpy and Pandas:</a:t>
+            </a:r>
           </a:p>
           <a:p>
             <a:pPr marL="465138" indent="-465138" algn="l">
@@ -5261,7 +5253,7 @@
                   <a:srgbClr val="3C3B37"/>
                 </a:solidFill>
               </a:rPr>
-              <a:t>2. </a:t>
+              <a:t>1. </a:t>
             </a:r>
             <a:r>
               <a:rPr lang="en-US" sz="1600" b="1" dirty="0">
@@ -5270,7 +5262,7 @@
                 </a:solidFill>
                 <a:hlinkClick r:id="rId8"/>
               </a:rPr>
-              <a:t>https://pandas.pydata.org/</a:t>
+              <a:t>https://numpy.org/</a:t>
             </a:r>
             <a:endParaRPr lang="en-US" sz="1600" b="1" dirty="0">
               <a:solidFill>
@@ -5287,37 +5279,27 @@
               <a:buChar char="u"/>
             </a:pPr>
             <a:r>
-              <a:rPr lang="en-US" sz="1600" b="1" dirty="0" err="1">
-                <a:solidFill>
-                  <a:srgbClr val="3C3B37"/>
-                </a:solidFill>
-              </a:rPr>
-              <a:t>PyTest</a:t>
-            </a:r>
-            <a:r>
               <a:rPr lang="en-US" sz="1600" b="1" dirty="0">
                 <a:solidFill>
                   <a:srgbClr val="3C3B37"/>
                 </a:solidFill>
               </a:rPr>
-              <a:t> and </a:t>
-            </a:r>
-            <a:r>
-              <a:rPr lang="en-US" sz="1600" b="1" dirty="0" err="1">
-                <a:solidFill>
-                  <a:srgbClr val="3C3B37"/>
-                </a:solidFill>
-              </a:rPr>
-              <a:t>PyLint</a:t>
+              <a:t>2. </a:t>
             </a:r>
             <a:r>
               <a:rPr lang="en-US" sz="1600" b="1" dirty="0">
                 <a:solidFill>
                   <a:srgbClr val="3C3B37"/>
                 </a:solidFill>
-              </a:rPr>
-              <a:t>:</a:t>
-            </a:r>
+                <a:hlinkClick r:id="rId9"/>
+              </a:rPr>
+              <a:t>https://pandas.pydata.org/</a:t>
+            </a:r>
+            <a:endParaRPr lang="en-US" sz="1600" b="1" dirty="0">
+              <a:solidFill>
+                <a:srgbClr val="3C3B37"/>
+              </a:solidFill>
+            </a:endParaRPr>
           </a:p>
           <a:p>
             <a:pPr marL="465138" indent="-465138" algn="l">
@@ -5328,27 +5310,37 @@
               <a:buChar char="u"/>
             </a:pPr>
             <a:r>
+              <a:rPr lang="en-US" sz="1600" b="1" dirty="0" err="1">
+                <a:solidFill>
+                  <a:srgbClr val="3C3B37"/>
+                </a:solidFill>
+              </a:rPr>
+              <a:t>PyTest</a:t>
+            </a:r>
+            <a:r>
               <a:rPr lang="en-US" sz="1600" b="1" dirty="0">
                 <a:solidFill>
                   <a:srgbClr val="3C3B37"/>
                 </a:solidFill>
               </a:rPr>
-              <a:t>1. </a:t>
+              <a:t> and </a:t>
+            </a:r>
+            <a:r>
+              <a:rPr lang="en-US" sz="1600" b="1" dirty="0" err="1">
+                <a:solidFill>
+                  <a:srgbClr val="3C3B37"/>
+                </a:solidFill>
+              </a:rPr>
+              <a:t>PyLint</a:t>
             </a:r>
             <a:r>
               <a:rPr lang="en-US" sz="1600" b="1" dirty="0">
                 <a:solidFill>
                   <a:srgbClr val="3C3B37"/>
                 </a:solidFill>
-                <a:hlinkClick r:id="rId9"/>
-              </a:rPr>
-              <a:t>https://docs.pytest.org/en/6.2.x/</a:t>
-            </a:r>
-            <a:endParaRPr lang="en-US" sz="1600" b="1" dirty="0">
-              <a:solidFill>
-                <a:srgbClr val="3C3B37"/>
-              </a:solidFill>
-            </a:endParaRPr>
+              </a:rPr>
+              <a:t>:</a:t>
+            </a:r>
           </a:p>
           <a:p>
             <a:pPr marL="465138" indent="-465138" algn="l">
@@ -5364,6 +5356,37 @@
                   <a:srgbClr val="3C3B37"/>
                 </a:solidFill>
               </a:rPr>
+              <a:t>1. </a:t>
+            </a:r>
+            <a:r>
+              <a:rPr lang="en-US" sz="1600" b="1" dirty="0">
+                <a:solidFill>
+                  <a:srgbClr val="3C3B37"/>
+                </a:solidFill>
+                <a:hlinkClick r:id="rId10"/>
+              </a:rPr>
+              <a:t>https://docs.pytest.org/en/6.2.x/</a:t>
+            </a:r>
+            <a:endParaRPr lang="en-US" sz="1600" b="1" dirty="0">
+              <a:solidFill>
+                <a:srgbClr val="3C3B37"/>
+              </a:solidFill>
+            </a:endParaRPr>
+          </a:p>
+          <a:p>
+            <a:pPr marL="465138" indent="-465138" algn="l">
+              <a:buClr>
+                <a:srgbClr val="0070C0"/>
+              </a:buClr>
+              <a:buFont typeface="Wingdings" pitchFamily="2" charset="2"/>
+              <a:buChar char="u"/>
+            </a:pPr>
+            <a:r>
+              <a:rPr lang="en-US" sz="1600" b="1" dirty="0">
+                <a:solidFill>
+                  <a:srgbClr val="3C3B37"/>
+                </a:solidFill>
+              </a:rPr>
               <a:t>2. </a:t>
             </a:r>
             <a:r>
@@ -5371,7 +5394,7 @@
                 <a:solidFill>
                   <a:srgbClr val="3C3B37"/>
                 </a:solidFill>
-                <a:hlinkClick r:id="rId10"/>
+                <a:hlinkClick r:id="rId11"/>
               </a:rPr>
               <a:t>https://www.pylint.org/</a:t>
             </a:r>
@@ -5494,7 +5517,7 @@
                 <a:solidFill>
                   <a:srgbClr val="3C3B37"/>
                 </a:solidFill>
-                <a:hlinkClick r:id="rId11"/>
+                <a:hlinkClick r:id="rId12"/>
               </a:rPr>
               <a:t>https://github.com/peterhchen/300_SVU_DataScience</a:t>
             </a:r>

--- a/00_Python_DataScience_Syllabus.pptx
+++ b/00_Python_DataScience_Syllabus.pptx
@@ -5,14 +5,15 @@
     <p:sldMasterId id="2147483648" r:id="rId1"/>
   </p:sldMasterIdLst>
   <p:notesMasterIdLst>
-    <p:notesMasterId r:id="rId7"/>
+    <p:notesMasterId r:id="rId8"/>
   </p:notesMasterIdLst>
   <p:sldIdLst>
     <p:sldId id="256" r:id="rId2"/>
     <p:sldId id="272" r:id="rId3"/>
     <p:sldId id="273" r:id="rId4"/>
     <p:sldId id="274" r:id="rId5"/>
-    <p:sldId id="259" r:id="rId6"/>
+    <p:sldId id="275" r:id="rId6"/>
+    <p:sldId id="259" r:id="rId7"/>
   </p:sldIdLst>
   <p:sldSz cx="9144000" cy="6858000" type="screen4x3"/>
   <p:notesSz cx="6858000" cy="9144000"/>
@@ -5624,6 +5625,357 @@
         </p:nvSpPr>
         <p:spPr>
           <a:xfrm>
+            <a:off x="0" y="1"/>
+            <a:ext cx="9144000" cy="764704"/>
+          </a:xfrm>
+          <a:gradFill flip="none" rotWithShape="1">
+            <a:gsLst>
+              <a:gs pos="0">
+                <a:srgbClr val="C00000">
+                  <a:shade val="30000"/>
+                  <a:satMod val="115000"/>
+                </a:srgbClr>
+              </a:gs>
+              <a:gs pos="50000">
+                <a:srgbClr val="C00000">
+                  <a:shade val="67500"/>
+                  <a:satMod val="115000"/>
+                </a:srgbClr>
+              </a:gs>
+              <a:gs pos="100000">
+                <a:srgbClr val="C00000">
+                  <a:shade val="100000"/>
+                  <a:satMod val="115000"/>
+                </a:srgbClr>
+              </a:gs>
+            </a:gsLst>
+            <a:path path="circle">
+              <a:fillToRect t="100000" r="100000"/>
+            </a:path>
+            <a:tileRect l="-100000" b="-100000"/>
+          </a:gradFill>
+        </p:spPr>
+        <p:txBody>
+          <a:bodyPr>
+            <a:normAutofit/>
+          </a:bodyPr>
+          <a:lstStyle/>
+          <a:p>
+            <a:pPr algn="l"/>
+            <a:r>
+              <a:rPr lang="en-US" altLang="zh-TW" sz="4400" b="1" dirty="0">
+                <a:solidFill>
+                  <a:srgbClr val="FFFF00"/>
+                </a:solidFill>
+              </a:rPr>
+              <a:t>00 Python Data Science</a:t>
+            </a:r>
+            <a:endParaRPr lang="zh-TW" altLang="en-US" b="1" dirty="0">
+              <a:solidFill>
+                <a:srgbClr val="FFFF00"/>
+              </a:solidFill>
+            </a:endParaRPr>
+          </a:p>
+        </p:txBody>
+      </p:sp>
+      <p:sp>
+        <p:nvSpPr>
+          <p:cNvPr id="3" name="副標題 2"/>
+          <p:cNvSpPr>
+            <a:spLocks noGrp="1"/>
+          </p:cNvSpPr>
+          <p:nvPr>
+            <p:ph type="subTitle" idx="1"/>
+          </p:nvPr>
+        </p:nvSpPr>
+        <p:spPr>
+          <a:xfrm>
+            <a:off x="395536" y="1196752"/>
+            <a:ext cx="8352928" cy="1872208"/>
+          </a:xfrm>
+          <a:ln>
+            <a:solidFill>
+              <a:srgbClr val="C00000"/>
+            </a:solidFill>
+          </a:ln>
+        </p:spPr>
+        <p:txBody>
+          <a:bodyPr>
+            <a:noAutofit/>
+          </a:bodyPr>
+          <a:lstStyle/>
+          <a:p>
+            <a:pPr marL="465138" indent="-465138" algn="l">
+              <a:buClr>
+                <a:srgbClr val="0070C0"/>
+              </a:buClr>
+              <a:buFont typeface="Wingdings" pitchFamily="2" charset="2"/>
+              <a:buChar char="u"/>
+            </a:pPr>
+            <a:r>
+              <a:rPr lang="en-US" sz="1600" b="1" dirty="0">
+                <a:solidFill>
+                  <a:srgbClr val="3C3B37"/>
+                </a:solidFill>
+              </a:rPr>
+              <a:t>Grades:</a:t>
+            </a:r>
+          </a:p>
+          <a:p>
+            <a:pPr marL="465138" indent="-465138" algn="l">
+              <a:buClr>
+                <a:srgbClr val="0070C0"/>
+              </a:buClr>
+              <a:buFont typeface="Wingdings" pitchFamily="2" charset="2"/>
+              <a:buChar char="u"/>
+            </a:pPr>
+            <a:r>
+              <a:rPr lang="en-US" sz="1600" b="1" dirty="0">
+                <a:solidFill>
+                  <a:srgbClr val="3C3B37"/>
+                </a:solidFill>
+              </a:rPr>
+              <a:t>1. Attendance: 20%</a:t>
+            </a:r>
+          </a:p>
+          <a:p>
+            <a:pPr marL="465138" indent="-465138" algn="l">
+              <a:buClr>
+                <a:srgbClr val="0070C0"/>
+              </a:buClr>
+              <a:buFont typeface="Wingdings" pitchFamily="2" charset="2"/>
+              <a:buChar char="u"/>
+            </a:pPr>
+            <a:r>
+              <a:rPr lang="en-US" sz="1600" b="1" dirty="0">
+                <a:solidFill>
+                  <a:srgbClr val="3C3B37"/>
+                </a:solidFill>
+              </a:rPr>
+              <a:t>2. Quiz: 20%</a:t>
+            </a:r>
+          </a:p>
+          <a:p>
+            <a:pPr marL="465138" indent="-465138" algn="l">
+              <a:buClr>
+                <a:srgbClr val="0070C0"/>
+              </a:buClr>
+              <a:buFont typeface="Wingdings" pitchFamily="2" charset="2"/>
+              <a:buChar char="u"/>
+            </a:pPr>
+            <a:r>
+              <a:rPr lang="en-US" sz="1600" b="1" dirty="0">
+                <a:solidFill>
+                  <a:srgbClr val="3C3B37"/>
+                </a:solidFill>
+              </a:rPr>
+              <a:t>3. Midterm: 20%</a:t>
+            </a:r>
+          </a:p>
+          <a:p>
+            <a:pPr marL="465138" indent="-465138" algn="l">
+              <a:buClr>
+                <a:srgbClr val="0070C0"/>
+              </a:buClr>
+              <a:buFont typeface="Wingdings" pitchFamily="2" charset="2"/>
+              <a:buChar char="u"/>
+            </a:pPr>
+            <a:r>
+              <a:rPr lang="en-US" sz="1600" b="1" dirty="0">
+                <a:solidFill>
+                  <a:srgbClr val="3C3B37"/>
+                </a:solidFill>
+              </a:rPr>
+              <a:t>4. Final: 20%</a:t>
+            </a:r>
+          </a:p>
+          <a:p>
+            <a:pPr marL="465138" indent="-465138" algn="l">
+              <a:buClr>
+                <a:srgbClr val="0070C0"/>
+              </a:buClr>
+              <a:buFont typeface="Wingdings" pitchFamily="2" charset="2"/>
+              <a:buChar char="u"/>
+            </a:pPr>
+            <a:r>
+              <a:rPr lang="en-US" sz="1600" b="1" dirty="0">
+                <a:solidFill>
+                  <a:srgbClr val="3C3B37"/>
+                </a:solidFill>
+              </a:rPr>
+              <a:t>5. Project: 30%</a:t>
+            </a:r>
+          </a:p>
+        </p:txBody>
+      </p:sp>
+      <p:sp>
+        <p:nvSpPr>
+          <p:cNvPr id="4" name="標題 1"/>
+          <p:cNvSpPr txBox="1">
+            <a:spLocks/>
+          </p:cNvSpPr>
+          <p:nvPr/>
+        </p:nvSpPr>
+        <p:spPr>
+          <a:xfrm>
+            <a:off x="-8722" y="759619"/>
+            <a:ext cx="9144000" cy="360040"/>
+          </a:xfrm>
+          <a:prstGeom prst="rect">
+            <a:avLst/>
+          </a:prstGeom>
+          <a:gradFill flip="none" rotWithShape="1">
+            <a:gsLst>
+              <a:gs pos="0">
+                <a:srgbClr val="00B0F0">
+                  <a:shade val="30000"/>
+                  <a:satMod val="115000"/>
+                </a:srgbClr>
+              </a:gs>
+              <a:gs pos="50000">
+                <a:srgbClr val="00B0F0">
+                  <a:shade val="67500"/>
+                  <a:satMod val="115000"/>
+                </a:srgbClr>
+              </a:gs>
+              <a:gs pos="100000">
+                <a:srgbClr val="00B0F0">
+                  <a:shade val="100000"/>
+                  <a:satMod val="115000"/>
+                </a:srgbClr>
+              </a:gs>
+            </a:gsLst>
+            <a:path path="circle">
+              <a:fillToRect t="100000" r="100000"/>
+            </a:path>
+            <a:tileRect l="-100000" b="-100000"/>
+          </a:gradFill>
+        </p:spPr>
+        <p:txBody>
+          <a:bodyPr vert="horz" lIns="91440" tIns="45720" rIns="91440" bIns="45720" rtlCol="0" anchor="ctr">
+            <a:normAutofit/>
+          </a:bodyPr>
+          <a:lstStyle/>
+          <a:p>
+            <a:pPr algn="l">
+              <a:buClr>
+                <a:srgbClr val="0070C0"/>
+              </a:buClr>
+              <a:buFont typeface="Wingdings" pitchFamily="2" charset="2"/>
+              <a:buChar char="u"/>
+            </a:pPr>
+            <a:r>
+              <a:rPr lang="en-US" sz="1600" b="1" dirty="0">
+                <a:solidFill>
+                  <a:srgbClr val="3C3B37"/>
+                </a:solidFill>
+                <a:hlinkClick r:id="rId2"/>
+              </a:rPr>
+              <a:t>https://github.com/peterhchen/300_SVU_DataScience</a:t>
+            </a:r>
+            <a:endParaRPr lang="en-US" sz="1600" b="1" dirty="0">
+              <a:solidFill>
+                <a:srgbClr val="3C3B37"/>
+              </a:solidFill>
+            </a:endParaRPr>
+          </a:p>
+        </p:txBody>
+      </p:sp>
+      <p:sp>
+        <p:nvSpPr>
+          <p:cNvPr id="5" name="日期版面配置區 4"/>
+          <p:cNvSpPr>
+            <a:spLocks noGrp="1"/>
+          </p:cNvSpPr>
+          <p:nvPr>
+            <p:ph type="dt" sz="half" idx="10"/>
+          </p:nvPr>
+        </p:nvSpPr>
+        <p:spPr/>
+        <p:txBody>
+          <a:bodyPr/>
+          <a:lstStyle/>
+          <a:p>
+            <a:fld id="{A4F910E6-8D00-4BAF-8C48-9688E0B449D3}" type="datetime1">
+              <a:rPr lang="zh-TW" altLang="en-US" smtClean="0"/>
+              <a:pPr/>
+              <a:t>2021/8/17</a:t>
+            </a:fld>
+            <a:endParaRPr lang="zh-TW" altLang="en-US"/>
+          </a:p>
+        </p:txBody>
+      </p:sp>
+      <p:sp>
+        <p:nvSpPr>
+          <p:cNvPr id="6" name="投影片編號版面配置區 5"/>
+          <p:cNvSpPr>
+            <a:spLocks noGrp="1"/>
+          </p:cNvSpPr>
+          <p:nvPr>
+            <p:ph type="sldNum" sz="quarter" idx="12"/>
+          </p:nvPr>
+        </p:nvSpPr>
+        <p:spPr>
+          <a:xfrm>
+            <a:off x="6553200" y="6356349"/>
+            <a:ext cx="2133600" cy="365125"/>
+          </a:xfrm>
+        </p:spPr>
+        <p:txBody>
+          <a:bodyPr/>
+          <a:lstStyle/>
+          <a:p>
+            <a:fld id="{E4D7E63D-91F2-4366-A2C4-1B00C9E2590E}" type="slidenum">
+              <a:rPr lang="zh-TW" altLang="en-US" smtClean="0"/>
+              <a:pPr/>
+              <a:t>5</a:t>
+            </a:fld>
+            <a:endParaRPr lang="zh-TW" altLang="en-US" dirty="0"/>
+          </a:p>
+        </p:txBody>
+      </p:sp>
+    </p:spTree>
+    <p:extLst>
+      <p:ext uri="{BB962C8B-B14F-4D97-AF65-F5344CB8AC3E}">
+        <p14:creationId xmlns:p14="http://schemas.microsoft.com/office/powerpoint/2010/main" val="2401297820"/>
+      </p:ext>
+    </p:extLst>
+  </p:cSld>
+  <p:clrMapOvr>
+    <a:masterClrMapping/>
+  </p:clrMapOvr>
+</p:sld>
+</file>
+
+<file path=ppt/slides/slide6.xml><?xml version="1.0" encoding="utf-8"?>
+<p:sld xmlns:a="http://schemas.openxmlformats.org/drawingml/2006/main" xmlns:r="http://schemas.openxmlformats.org/officeDocument/2006/relationships" xmlns:p="http://schemas.openxmlformats.org/presentationml/2006/main">
+  <p:cSld>
+    <p:spTree>
+      <p:nvGrpSpPr>
+        <p:cNvPr id="1" name=""/>
+        <p:cNvGrpSpPr/>
+        <p:nvPr/>
+      </p:nvGrpSpPr>
+      <p:grpSpPr>
+        <a:xfrm>
+          <a:off x="0" y="0"/>
+          <a:ext cx="0" cy="0"/>
+          <a:chOff x="0" y="0"/>
+          <a:chExt cx="0" cy="0"/>
+        </a:xfrm>
+      </p:grpSpPr>
+      <p:sp>
+        <p:nvSpPr>
+          <p:cNvPr id="2" name="標題 1"/>
+          <p:cNvSpPr>
+            <a:spLocks noGrp="1"/>
+          </p:cNvSpPr>
+          <p:nvPr>
+            <p:ph type="ctrTitle"/>
+          </p:nvPr>
+        </p:nvSpPr>
+        <p:spPr>
+          <a:xfrm>
             <a:off x="0" y="2130425"/>
             <a:ext cx="9144000" cy="1470025"/>
           </a:xfrm>
@@ -5718,7 +6070,7 @@
             <a:fld id="{E4D7E63D-91F2-4366-A2C4-1B00C9E2590E}" type="slidenum">
               <a:rPr lang="zh-TW" altLang="en-US" smtClean="0"/>
               <a:pPr/>
-              <a:t>5</a:t>
+              <a:t>6</a:t>
             </a:fld>
             <a:endParaRPr lang="zh-TW" altLang="en-US"/>
           </a:p>

--- a/00_Python_DataScience_Syllabus.pptx
+++ b/00_Python_DataScience_Syllabus.pptx
@@ -3543,22 +3543,13 @@
               </a:buClr>
             </a:pPr>
             <a:r>
-              <a:rPr lang="en-US" sz="4000" b="1" i="0" dirty="0" err="1">
+              <a:rPr lang="en-US" sz="4000" b="1" i="0" dirty="0">
                 <a:solidFill>
                   <a:srgbClr val="FFFF00"/>
                 </a:solidFill>
                 <a:effectLst/>
               </a:rPr>
-              <a:t>PyThon</a:t>
-            </a:r>
-            <a:r>
-              <a:rPr lang="en-US" sz="4000" b="1" i="0" dirty="0">
-                <a:solidFill>
-                  <a:srgbClr val="FFFF00"/>
-                </a:solidFill>
-                <a:effectLst/>
-              </a:rPr>
-              <a:t> Programming for Data Science</a:t>
+              <a:t>Python Programming for Data Science</a:t>
             </a:r>
           </a:p>
         </p:txBody>
@@ -3881,7 +3872,7 @@
                 </a:solidFill>
                 <a:effectLst/>
               </a:rPr>
-              <a:t>Data Structures: tuples, lists, arrays, dictionaries, trees, hash tables</a:t>
+              <a:t>Data Structures: tuples, lists, arrays, dictionaries, trees, hash tables, Graph</a:t>
             </a:r>
           </a:p>
           <a:p>
@@ -4342,7 +4333,7 @@
         <p:spPr>
           <a:xfrm>
             <a:off x="457200" y="1152181"/>
-            <a:ext cx="8352928" cy="5229147"/>
+            <a:ext cx="8352928" cy="5013123"/>
           </a:xfrm>
           <a:ln>
             <a:solidFill>
@@ -4364,7 +4355,7 @@
               <a:buChar char="u"/>
             </a:pPr>
             <a:r>
-              <a:rPr lang="en-US" sz="1800" b="1" dirty="0">
+              <a:rPr lang="en-US" sz="1600" b="1" dirty="0">
                 <a:solidFill>
                   <a:srgbClr val="3C3B37"/>
                 </a:solidFill>
@@ -4381,12 +4372,28 @@
               <a:buAutoNum type="arabicPeriod"/>
             </a:pPr>
             <a:r>
-              <a:rPr lang="en-US" sz="1800" b="1" dirty="0">
-                <a:solidFill>
-                  <a:srgbClr val="3C3B37"/>
-                </a:solidFill>
-              </a:rPr>
-              <a:t>Python Installation, PyCharm IDE, Run, Debugging</a:t>
+              <a:rPr lang="en-US" sz="1600" b="1" dirty="0">
+                <a:solidFill>
+                  <a:srgbClr val="3C3B37"/>
+                </a:solidFill>
+              </a:rPr>
+              <a:t>Python Installation, PyCharm IDE (</a:t>
+            </a:r>
+            <a:r>
+              <a:rPr lang="en-US" sz="1600" b="1" dirty="0" err="1">
+                <a:solidFill>
+                  <a:srgbClr val="3C3B37"/>
+                </a:solidFill>
+              </a:rPr>
+              <a:t>svn</a:t>
+            </a:r>
+            <a:r>
+              <a:rPr lang="en-US" sz="1600" b="1" dirty="0">
+                <a:solidFill>
+                  <a:srgbClr val="3C3B37"/>
+                </a:solidFill>
+              </a:rPr>
+              <a:t>, git), Run, Debugging</a:t>
             </a:r>
           </a:p>
           <a:p>
@@ -4398,7 +4405,7 @@
               <a:buAutoNum type="arabicPeriod"/>
             </a:pPr>
             <a:r>
-              <a:rPr lang="en-US" sz="1800" b="1" dirty="0">
+              <a:rPr lang="en-US" sz="1600" b="1" dirty="0">
                 <a:solidFill>
                   <a:srgbClr val="3C3B37"/>
                 </a:solidFill>
@@ -4406,13 +4413,13 @@
               <a:t>Control Loop: If, else, for loop,</a:t>
             </a:r>
             <a:r>
-              <a:rPr lang="en-US" sz="1800" b="1" i="0" dirty="0">
+              <a:rPr lang="en-US" sz="1600" b="1" i="0" dirty="0">
                 <a:solidFill>
                   <a:srgbClr val="3C3B37"/>
                 </a:solidFill>
                 <a:effectLst/>
               </a:rPr>
-              <a:t> and functions</a:t>
+              <a:t> range, and functions</a:t>
             </a:r>
           </a:p>
           <a:p>
@@ -4424,7 +4431,7 @@
               <a:buAutoNum type="arabicPeriod"/>
             </a:pPr>
             <a:r>
-              <a:rPr lang="en-US" sz="1800" b="1" i="0" dirty="0">
+              <a:rPr lang="en-US" sz="1600" b="1" i="0" dirty="0">
                 <a:solidFill>
                   <a:srgbClr val="3C3B37"/>
                 </a:solidFill>
@@ -4442,15 +4449,15 @@
               <a:buAutoNum type="arabicPeriod"/>
             </a:pPr>
             <a:r>
-              <a:rPr lang="en-US" sz="1800" b="1" dirty="0">
-                <a:solidFill>
-                  <a:srgbClr val="3C3B37"/>
-                </a:solidFill>
-              </a:rPr>
-              <a:t>Data Structure:</a:t>
-            </a:r>
-            <a:r>
-              <a:rPr lang="en-US" sz="1800" b="1" i="0" dirty="0">
+              <a:rPr lang="en-US" sz="1600" b="1" dirty="0">
+                <a:solidFill>
+                  <a:srgbClr val="3C3B37"/>
+                </a:solidFill>
+              </a:rPr>
+              <a:t>Data Structures:</a:t>
+            </a:r>
+            <a:r>
+              <a:rPr lang="en-US" sz="1600" b="1" i="0" dirty="0">
                 <a:solidFill>
                   <a:srgbClr val="3C3B37"/>
                 </a:solidFill>
@@ -4468,7 +4475,7 @@
               <a:buAutoNum type="arabicPeriod"/>
             </a:pPr>
             <a:r>
-              <a:rPr lang="en-US" sz="1800" b="1" dirty="0">
+              <a:rPr lang="en-US" sz="1600" b="1" dirty="0">
                 <a:solidFill>
                   <a:srgbClr val="3C3B37"/>
                 </a:solidFill>
@@ -4476,7 +4483,7 @@
               <a:t>File I/O and Exceptions handling, and g</a:t>
             </a:r>
             <a:r>
-              <a:rPr lang="en-US" sz="1800" b="1" i="0" dirty="0">
+              <a:rPr lang="en-US" sz="1600" b="1" i="0" dirty="0">
                 <a:solidFill>
                   <a:srgbClr val="3C3B37"/>
                 </a:solidFill>
@@ -4494,12 +4501,12 @@
               <a:buAutoNum type="arabicPeriod"/>
             </a:pPr>
             <a:r>
-              <a:rPr lang="en-US" sz="1800" b="1" dirty="0">
-                <a:solidFill>
-                  <a:srgbClr val="3C3B37"/>
-                </a:solidFill>
-              </a:rPr>
-              <a:t>class/objects, Regular Expression</a:t>
+              <a:rPr lang="en-US" sz="1600" b="1" dirty="0">
+                <a:solidFill>
+                  <a:srgbClr val="3C3B37"/>
+                </a:solidFill>
+              </a:rPr>
+              <a:t>OOP: class/objects, Regular Expression</a:t>
             </a:r>
           </a:p>
           <a:p>
@@ -4511,7 +4518,7 @@
               <a:buAutoNum type="arabicPeriod"/>
             </a:pPr>
             <a:r>
-              <a:rPr lang="en-US" sz="1800" b="1" dirty="0">
+              <a:rPr lang="en-US" sz="1600" b="1" dirty="0">
                 <a:solidFill>
                   <a:srgbClr val="3C3B37"/>
                 </a:solidFill>
@@ -4528,12 +4535,12 @@
               <a:buAutoNum type="arabicPeriod"/>
             </a:pPr>
             <a:r>
-              <a:rPr lang="en-US" sz="1800" b="1" dirty="0">
-                <a:solidFill>
-                  <a:srgbClr val="3C3B37"/>
-                </a:solidFill>
-              </a:rPr>
-              <a:t>Database (csv, excel, json) </a:t>
+              <a:rPr lang="en-US" sz="1600" b="1" dirty="0">
+                <a:solidFill>
+                  <a:srgbClr val="3C3B37"/>
+                </a:solidFill>
+              </a:rPr>
+              <a:t>Database (Postgre/MongoDB, csv, excel, json) </a:t>
             </a:r>
           </a:p>
           <a:p>
@@ -4545,7 +4552,7 @@
               <a:buAutoNum type="arabicPeriod"/>
             </a:pPr>
             <a:r>
-              <a:rPr lang="en-US" sz="1800" b="1" dirty="0">
+              <a:rPr lang="en-US" sz="1600" b="1" dirty="0">
                 <a:solidFill>
                   <a:srgbClr val="3C3B37"/>
                 </a:solidFill>
@@ -4562,12 +4569,12 @@
               <a:buAutoNum type="arabicPeriod"/>
             </a:pPr>
             <a:r>
-              <a:rPr lang="en-US" sz="1800" b="1" dirty="0">
-                <a:solidFill>
-                  <a:srgbClr val="3C3B37"/>
-                </a:solidFill>
-              </a:rPr>
-              <a:t>Networking and Multi-threading</a:t>
+              <a:rPr lang="en-US" sz="1600" b="1" dirty="0">
+                <a:solidFill>
+                  <a:srgbClr val="3C3B37"/>
+                </a:solidFill>
+              </a:rPr>
+              <a:t>Networking (Socket), Multi-threading, and Docker Image</a:t>
             </a:r>
           </a:p>
           <a:p>
@@ -4579,7 +4586,7 @@
               <a:buAutoNum type="arabicPeriod"/>
             </a:pPr>
             <a:r>
-              <a:rPr lang="en-US" sz="1800" b="1" dirty="0">
+              <a:rPr lang="en-US" sz="1600" b="1" dirty="0">
                 <a:solidFill>
                   <a:srgbClr val="3C3B37"/>
                 </a:solidFill>
@@ -4587,7 +4594,7 @@
               <a:t>Python Test by </a:t>
             </a:r>
             <a:r>
-              <a:rPr lang="en-US" sz="1800" b="1" dirty="0" err="1">
+              <a:rPr lang="en-US" sz="1600" b="1" dirty="0" err="1">
                 <a:solidFill>
                   <a:srgbClr val="3C3B37"/>
                 </a:solidFill>
@@ -4595,15 +4602,15 @@
               <a:t>pyTest</a:t>
             </a:r>
             <a:r>
-              <a:rPr lang="en-US" sz="1800" b="1" dirty="0">
-                <a:solidFill>
-                  <a:srgbClr val="3C3B37"/>
-                </a:solidFill>
-              </a:rPr>
-              <a:t> and coding standard REP 8.0 by </a:t>
-            </a:r>
-            <a:r>
-              <a:rPr lang="en-US" sz="1800" b="1" dirty="0" err="1">
+              <a:rPr lang="en-US" sz="1600" b="1" dirty="0">
+                <a:solidFill>
+                  <a:srgbClr val="3C3B37"/>
+                </a:solidFill>
+              </a:rPr>
+              <a:t> (for Testing) and </a:t>
+            </a:r>
+            <a:r>
+              <a:rPr lang="en-US" sz="1600" b="1" dirty="0" err="1">
                 <a:solidFill>
                   <a:srgbClr val="3C3B37"/>
                 </a:solidFill>
@@ -4611,14 +4618,14 @@
               <a:t>PyLint</a:t>
             </a:r>
             <a:r>
-              <a:rPr lang="en-US" sz="1800" b="1" dirty="0">
-                <a:solidFill>
-                  <a:srgbClr val="3C3B37"/>
-                </a:solidFill>
-              </a:rPr>
-              <a:t> </a:t>
-            </a:r>
-            <a:endParaRPr lang="en-US" sz="1800" b="1" i="0" dirty="0">
+              <a:rPr lang="en-US" sz="1600" b="1" dirty="0">
+                <a:solidFill>
+                  <a:srgbClr val="3C3B37"/>
+                </a:solidFill>
+              </a:rPr>
+              <a:t> (QA/coding standard REP 8.0) </a:t>
+            </a:r>
+            <a:endParaRPr lang="en-US" sz="1600" b="1" i="0" dirty="0">
               <a:solidFill>
                 <a:srgbClr val="3C3B37"/>
               </a:solidFill>
@@ -4634,7 +4641,7 @@
               <a:buAutoNum type="arabicPeriod"/>
             </a:pPr>
             <a:r>
-              <a:rPr lang="en-US" sz="1800" b="1" i="0" dirty="0">
+              <a:rPr lang="en-US" sz="1600" b="1" i="0" dirty="0">
                 <a:solidFill>
                   <a:srgbClr val="3C3B37"/>
                 </a:solidFill>
@@ -4643,7 +4650,7 @@
               <a:t>GUI Programming by </a:t>
             </a:r>
             <a:r>
-              <a:rPr lang="en-US" sz="1800" b="1" i="0" dirty="0" err="1">
+              <a:rPr lang="en-US" sz="1600" b="1" i="0" dirty="0" err="1">
                 <a:solidFill>
                   <a:srgbClr val="3C3B37"/>
                 </a:solidFill>
@@ -4652,13 +4659,13 @@
               <a:t>tkinter</a:t>
             </a:r>
             <a:r>
-              <a:rPr lang="en-US" sz="1800" b="1" i="0" dirty="0">
+              <a:rPr lang="en-US" sz="1600" b="1" i="0" dirty="0">
                 <a:solidFill>
                   <a:srgbClr val="3C3B37"/>
                 </a:solidFill>
                 <a:effectLst/>
               </a:rPr>
-              <a:t>: Button, Radio Button, List Box, Combo Box, Callback </a:t>
+              <a:t>: Frame, Row/Column Widget, Button, Radio Button, check Button, List Box, Combo Box, Callback </a:t>
             </a:r>
           </a:p>
           <a:p>
@@ -4670,15 +4677,41 @@
               <a:buAutoNum type="arabicPeriod"/>
             </a:pPr>
             <a:r>
-              <a:rPr lang="en-US" sz="1800" b="1" dirty="0">
-                <a:solidFill>
-                  <a:srgbClr val="3C3B37"/>
-                </a:solidFill>
-              </a:rPr>
-              <a:t>GUI Programming: Drawing Canvas, </a:t>
-            </a:r>
-            <a:r>
-              <a:rPr lang="en-US" sz="1800" b="1" i="0" dirty="0">
+              <a:rPr lang="en-US" sz="1600" b="1" dirty="0">
+                <a:solidFill>
+                  <a:srgbClr val="3C3B37"/>
+                </a:solidFill>
+              </a:rPr>
+              <a:t>GUI Programming </a:t>
+            </a:r>
+            <a:r>
+              <a:rPr lang="en-US" sz="1600" b="1" i="0" dirty="0">
+                <a:solidFill>
+                  <a:srgbClr val="3C3B37"/>
+                </a:solidFill>
+                <a:effectLst/>
+              </a:rPr>
+              <a:t>by </a:t>
+            </a:r>
+            <a:r>
+              <a:rPr lang="en-US" sz="1600" b="1" i="0" dirty="0" err="1">
+                <a:solidFill>
+                  <a:srgbClr val="3C3B37"/>
+                </a:solidFill>
+                <a:effectLst/>
+              </a:rPr>
+              <a:t>tkinter</a:t>
+            </a:r>
+            <a:r>
+              <a:rPr lang="en-US" sz="1600" b="1" dirty="0">
+                <a:solidFill>
+                  <a:srgbClr val="3C3B37"/>
+                </a:solidFill>
+              </a:rPr>
+              <a:t>: Drawing Canvas, </a:t>
+            </a:r>
+            <a:r>
+              <a:rPr lang="en-US" sz="1600" b="1" i="0" dirty="0">
                 <a:solidFill>
                   <a:srgbClr val="3C3B37"/>
                 </a:solidFill>
@@ -4696,7 +4729,7 @@
               <a:buAutoNum type="arabicPeriod"/>
             </a:pPr>
             <a:r>
-              <a:rPr lang="en-US" sz="1800" b="1" dirty="0">
+              <a:rPr lang="en-US" sz="1600" b="1" dirty="0">
                 <a:solidFill>
                   <a:srgbClr val="3C3B37"/>
                 </a:solidFill>
@@ -4704,7 +4737,7 @@
               <a:t>Class Project: Read </a:t>
             </a:r>
             <a:r>
-              <a:rPr lang="en-US" sz="1800" b="1" i="0" dirty="0">
+              <a:rPr lang="en-US" sz="1600" b="1" i="0" dirty="0">
                 <a:solidFill>
                   <a:srgbClr val="3C3B37"/>
                 </a:solidFill>
@@ -4722,7 +4755,7 @@
               <a:buAutoNum type="arabicPeriod"/>
             </a:pPr>
             <a:r>
-              <a:rPr lang="en-US" sz="1800" b="1" dirty="0">
+              <a:rPr lang="en-US" sz="1600" b="1" dirty="0">
                 <a:solidFill>
                   <a:srgbClr val="3C3B37"/>
                 </a:solidFill>
@@ -4738,7 +4771,7 @@
               <a:buFont typeface="Wingdings" pitchFamily="2" charset="2"/>
               <a:buChar char="u"/>
             </a:pPr>
-            <a:endParaRPr lang="en-US" sz="1800" b="1" i="0" dirty="0">
+            <a:endParaRPr lang="en-US" sz="1600" b="1" i="0" dirty="0">
               <a:solidFill>
                 <a:srgbClr val="3C3B37"/>
               </a:solidFill>
